--- a/docs/Commuter App.pptx
+++ b/docs/Commuter App.pptx
@@ -8,10 +8,11 @@
     <p:sldId id="343" r:id="rId5"/>
     <p:sldId id="257" r:id="rId6"/>
     <p:sldId id="284" r:id="rId7"/>
-    <p:sldId id="342" r:id="rId8"/>
-    <p:sldId id="350" r:id="rId9"/>
-    <p:sldId id="351" r:id="rId10"/>
-    <p:sldId id="352" r:id="rId11"/>
+    <p:sldId id="353" r:id="rId8"/>
+    <p:sldId id="342" r:id="rId9"/>
+    <p:sldId id="350" r:id="rId10"/>
+    <p:sldId id="351" r:id="rId11"/>
+    <p:sldId id="352" r:id="rId12"/>
   </p:sldIdLst>
   <p:sldSz cx="12192000" cy="6858000"/>
   <p:notesSz cx="6858000" cy="9144000"/>
@@ -423,7 +424,7 @@
           <a:p>
             <a:fld id="{9184DA70-C731-4C70-880D-CCD4705E623C}" type="datetime1">
               <a:rPr lang="en-US" noProof="0" smtClean="0"/>
-              <a:t>10/6/2020</a:t>
+              <a:t>10/7/2020</a:t>
             </a:fld>
             <a:endParaRPr lang="en-US" noProof="0" dirty="0"/>
           </a:p>
@@ -544,7 +545,7 @@
           <a:p>
             <a:fld id="{39667345-2558-425A-8533-9BFDBCE15005}" type="datetime1">
               <a:rPr lang="en-US" noProof="0" smtClean="0"/>
-              <a:t>10/6/2020</a:t>
+              <a:t>10/7/2020</a:t>
             </a:fld>
             <a:endParaRPr lang="en-US" noProof="0" dirty="0"/>
           </a:p>
@@ -932,7 +933,7 @@
           <a:p>
             <a:fld id="{39667345-2558-425A-8533-9BFDBCE15005}" type="datetime1">
               <a:rPr lang="en-US" noProof="0" smtClean="0"/>
-              <a:t>10/6/2020</a:t>
+              <a:t>10/7/2020</a:t>
             </a:fld>
             <a:endParaRPr lang="en-US" noProof="0" dirty="0"/>
           </a:p>
@@ -1767,7 +1768,7 @@
           <a:p>
             <a:fld id="{4907D986-8816-4272-A432-0437A28A9828}" type="datetime1">
               <a:rPr lang="en-US" noProof="0" smtClean="0"/>
-              <a:t>10/6/2020</a:t>
+              <a:t>10/7/2020</a:t>
             </a:fld>
             <a:endParaRPr lang="en-US" noProof="0" dirty="0"/>
           </a:p>
@@ -2099,7 +2100,7 @@
           <a:p>
             <a:fld id="{9184DA70-C731-4C70-880D-CCD4705E623C}" type="datetime1">
               <a:rPr lang="en-US" noProof="0" smtClean="0"/>
-              <a:t>10/6/2020</a:t>
+              <a:t>10/7/2020</a:t>
             </a:fld>
             <a:endParaRPr lang="en-US" noProof="0" dirty="0"/>
           </a:p>
@@ -2407,7 +2408,7 @@
           <a:p>
             <a:fld id="{4BE1D723-8F53-4F53-90B0-1982A396982E}" type="datetime1">
               <a:rPr lang="en-US" noProof="0" smtClean="0"/>
-              <a:t>10/6/2020</a:t>
+              <a:t>10/7/2020</a:t>
             </a:fld>
             <a:endParaRPr lang="en-US" noProof="0" dirty="0"/>
           </a:p>
@@ -3000,7 +3001,7 @@
           <a:p>
             <a:fld id="{D9DF0F1C-5577-4ACB-BB62-DF8F3C494C7E}" type="datetime1">
               <a:rPr lang="en-US" noProof="0" smtClean="0"/>
-              <a:t>10/6/2020</a:t>
+              <a:t>10/7/2020</a:t>
             </a:fld>
             <a:endParaRPr lang="en-US" noProof="0" dirty="0"/>
           </a:p>
@@ -3263,7 +3264,7 @@
           <a:p>
             <a:fld id="{1775B394-D9F9-4F0C-B15D-605F45CB9E9F}" type="datetime1">
               <a:rPr lang="en-US" noProof="0" smtClean="0"/>
-              <a:t>10/6/2020</a:t>
+              <a:t>10/7/2020</a:t>
             </a:fld>
             <a:endParaRPr lang="en-US" noProof="0" dirty="0"/>
           </a:p>
@@ -3526,7 +3527,7 @@
           <a:p>
             <a:fld id="{1775B394-D9F9-4F0C-B15D-605F45CB9E9F}" type="datetime1">
               <a:rPr lang="en-US" noProof="0" smtClean="0"/>
-              <a:t>10/6/2020</a:t>
+              <a:t>10/7/2020</a:t>
             </a:fld>
             <a:endParaRPr lang="en-US" noProof="0" dirty="0"/>
           </a:p>
@@ -4043,7 +4044,7 @@
           <a:p>
             <a:fld id="{39667345-2558-425A-8533-9BFDBCE15005}" type="datetime1">
               <a:rPr lang="en-US" noProof="0" smtClean="0"/>
-              <a:t>10/6/2020</a:t>
+              <a:t>10/7/2020</a:t>
             </a:fld>
             <a:endParaRPr lang="en-US" noProof="0" dirty="0"/>
           </a:p>
@@ -4164,7 +4165,7 @@
           <a:p>
             <a:fld id="{39667345-2558-425A-8533-9BFDBCE15005}" type="datetime1">
               <a:rPr lang="en-US" noProof="0" smtClean="0"/>
-              <a:t>10/6/2020</a:t>
+              <a:t>10/7/2020</a:t>
             </a:fld>
             <a:endParaRPr lang="en-US" noProof="0" dirty="0"/>
           </a:p>
@@ -4596,7 +4597,7 @@
           <a:p>
             <a:fld id="{39667345-2558-425A-8533-9BFDBCE15005}" type="datetime1">
               <a:rPr lang="en-US" noProof="0" smtClean="0"/>
-              <a:t>10/6/2020</a:t>
+              <a:t>10/7/2020</a:t>
             </a:fld>
             <a:endParaRPr lang="en-US" noProof="0" dirty="0"/>
           </a:p>
@@ -5138,7 +5139,7 @@
           <a:p>
             <a:fld id="{62D6E202-B606-4609-B914-27C9371A1F6D}" type="datetime1">
               <a:rPr lang="en-US" noProof="0" smtClean="0"/>
-              <a:t>10/6/2020</a:t>
+              <a:t>10/7/2020</a:t>
             </a:fld>
             <a:endParaRPr lang="en-US" noProof="0" dirty="0"/>
           </a:p>
@@ -5674,7 +5675,9 @@
           </a:xfrm>
         </p:spPr>
         <p:txBody>
-          <a:bodyPr/>
+          <a:bodyPr>
+            <a:normAutofit fontScale="92500" lnSpcReduction="10000"/>
+          </a:bodyPr>
           <a:lstStyle/>
           <a:p>
             <a:r>
@@ -5742,7 +5745,10 @@
             <a:endParaRPr lang="en-US" dirty="0"/>
           </a:p>
           <a:p>
-            <a:endParaRPr lang="en-US" dirty="0"/>
+            <a:r>
+              <a:rPr lang="en-US" dirty="0"/>
+              <a:t>Felix Malmberg</a:t>
+            </a:r>
           </a:p>
         </p:txBody>
       </p:sp>
@@ -5843,16 +5849,29 @@
           <a:lstStyle/>
           <a:p>
             <a:r>
+              <a:rPr lang="en-US" dirty="0"/>
+              <a:t>Commuter</a:t>
+            </a:r>
+          </a:p>
+          <a:p>
+            <a:r>
               <a:rPr lang="en-US" dirty="0" err="1"/>
-              <a:t>Vilket</a:t>
+              <a:t>Målgruppen</a:t>
+            </a:r>
+            <a:endParaRPr lang="en-US" dirty="0"/>
+          </a:p>
+          <a:p>
+            <a:r>
+              <a:rPr lang="en-US" b="1" dirty="0"/>
+              <a:t>Var</a:t>
             </a:r>
             <a:r>
               <a:rPr lang="en-US" dirty="0"/>
-              <a:t> problem har vi </a:t>
+              <a:t> man ska </a:t>
             </a:r>
             <a:r>
               <a:rPr lang="en-US" dirty="0" err="1"/>
-              <a:t>valt</a:t>
+              <a:t>använda</a:t>
             </a:r>
             <a:r>
               <a:rPr lang="en-US" dirty="0"/>
@@ -5860,7 +5879,22 @@
             </a:r>
             <a:r>
               <a:rPr lang="en-US" dirty="0" err="1"/>
-              <a:t>att</a:t>
+              <a:t>appen</a:t>
+            </a:r>
+            <a:endParaRPr lang="en-US" dirty="0"/>
+          </a:p>
+          <a:p>
+            <a:r>
+              <a:rPr lang="en-US" b="1" dirty="0" err="1"/>
+              <a:t>Hur</a:t>
+            </a:r>
+            <a:r>
+              <a:rPr lang="en-US" dirty="0"/>
+              <a:t> man ska </a:t>
+            </a:r>
+            <a:r>
+              <a:rPr lang="en-US" dirty="0" err="1"/>
+              <a:t>använda</a:t>
             </a:r>
             <a:r>
               <a:rPr lang="en-US" dirty="0"/>
@@ -5868,74 +5902,13 @@
             </a:r>
             <a:r>
               <a:rPr lang="en-US" dirty="0" err="1"/>
-              <a:t>lösa</a:t>
+              <a:t>appen</a:t>
             </a:r>
             <a:endParaRPr lang="en-US" dirty="0"/>
           </a:p>
           <a:p>
             <a:r>
-              <a:rPr lang="en-US" dirty="0"/>
-              <a:t>Vem </a:t>
-            </a:r>
-            <a:r>
-              <a:rPr lang="en-US" dirty="0" err="1"/>
-              <a:t>är</a:t>
-            </a:r>
-            <a:r>
-              <a:rPr lang="en-US" dirty="0"/>
-              <a:t> </a:t>
-            </a:r>
-            <a:r>
-              <a:rPr lang="en-US" dirty="0" err="1"/>
-              <a:t>målgruppen</a:t>
-            </a:r>
-            <a:endParaRPr lang="en-US" dirty="0"/>
-          </a:p>
-          <a:p>
-            <a:r>
-              <a:rPr lang="en-US" dirty="0"/>
-              <a:t>Var man ska </a:t>
-            </a:r>
-            <a:r>
-              <a:rPr lang="en-US" dirty="0" err="1"/>
-              <a:t>använda</a:t>
-            </a:r>
-            <a:r>
-              <a:rPr lang="en-US" dirty="0"/>
-              <a:t> </a:t>
-            </a:r>
-            <a:r>
-              <a:rPr lang="en-US" dirty="0" err="1"/>
-              <a:t>appen</a:t>
-            </a:r>
-            <a:endParaRPr lang="en-US" dirty="0"/>
-          </a:p>
-          <a:p>
-            <a:r>
-              <a:rPr lang="en-US" dirty="0" err="1"/>
-              <a:t>Hur</a:t>
-            </a:r>
-            <a:r>
-              <a:rPr lang="en-US" dirty="0"/>
-              <a:t> man ska </a:t>
-            </a:r>
-            <a:r>
-              <a:rPr lang="en-US" dirty="0" err="1"/>
-              <a:t>använda</a:t>
-            </a:r>
-            <a:r>
-              <a:rPr lang="en-US" dirty="0"/>
-              <a:t> </a:t>
-            </a:r>
-            <a:r>
-              <a:rPr lang="en-US" dirty="0" err="1"/>
-              <a:t>appen</a:t>
-            </a:r>
-            <a:endParaRPr lang="en-US" dirty="0"/>
-          </a:p>
-          <a:p>
-            <a:r>
-              <a:rPr lang="en-US" dirty="0" err="1"/>
+              <a:rPr lang="en-US" b="1" dirty="0" err="1"/>
               <a:t>Varför</a:t>
             </a:r>
             <a:r>
@@ -6083,7 +6056,7 @@
           <a:p>
             <a:r>
               <a:rPr lang="sv-FI" dirty="0" err="1"/>
-              <a:t>OpenStreetApp</a:t>
+              <a:t>OpenStreetMpp</a:t>
             </a:r>
             <a:endParaRPr lang="sv-FI" dirty="0"/>
           </a:p>
@@ -6105,7 +6078,31 @@
             </a:pPr>
             <a:r>
               <a:rPr lang="sv-FI" dirty="0"/>
-              <a:t>Community Driven</a:t>
+              <a:t>Community Driven (användaren kan lägga till </a:t>
+            </a:r>
+            <a:r>
+              <a:rPr lang="sv-FI" dirty="0" err="1"/>
+              <a:t>points</a:t>
+            </a:r>
+            <a:r>
+              <a:rPr lang="sv-FI" dirty="0"/>
+              <a:t> </a:t>
+            </a:r>
+            <a:r>
+              <a:rPr lang="sv-FI" dirty="0" err="1"/>
+              <a:t>of</a:t>
+            </a:r>
+            <a:r>
+              <a:rPr lang="sv-FI" dirty="0"/>
+              <a:t> </a:t>
+            </a:r>
+            <a:r>
+              <a:rPr lang="sv-FI" dirty="0" err="1"/>
+              <a:t>interest</a:t>
+            </a:r>
+            <a:r>
+              <a:rPr lang="sv-FI" dirty="0"/>
+              <a:t>)</a:t>
             </a:r>
           </a:p>
           <a:p>
@@ -6119,33 +6116,6 @@
             </a:r>
           </a:p>
           <a:p>
-            <a:pPr marL="285750" indent="-285750">
-              <a:buFontTx/>
-              <a:buChar char="-"/>
-            </a:pPr>
-            <a:r>
-              <a:rPr lang="sv-FI" dirty="0"/>
-              <a:t>Enkel implementation med </a:t>
-            </a:r>
-            <a:r>
-              <a:rPr lang="sv-FI" dirty="0" err="1"/>
-              <a:t>iframe</a:t>
-            </a:r>
-            <a:r>
-              <a:rPr lang="sv-FI" dirty="0"/>
-              <a:t> </a:t>
-            </a:r>
-            <a:r>
-              <a:rPr lang="sv-FI" dirty="0" err="1"/>
-              <a:t>embed</a:t>
-            </a:r>
-            <a:endParaRPr lang="sv-FI" dirty="0"/>
-          </a:p>
-          <a:p>
-            <a:pPr marL="285750" indent="-285750">
-              <a:buFontTx/>
-              <a:buChar char="-"/>
-            </a:pPr>
             <a:endParaRPr lang="en-US" dirty="0"/>
           </a:p>
           <a:p>
@@ -6279,6 +6249,236 @@
       </p:grpSpPr>
       <p:sp>
         <p:nvSpPr>
+          <p:cNvPr id="8" name="Title 7">
+            <a:extLst>
+              <a:ext uri="{FF2B5EF4-FFF2-40B4-BE49-F238E27FC236}">
+                <a16:creationId xmlns:a16="http://schemas.microsoft.com/office/drawing/2014/main" id="{900900CD-B943-934F-857F-30AA913FE9D9}"/>
+              </a:ext>
+            </a:extLst>
+          </p:cNvPr>
+          <p:cNvSpPr>
+            <a:spLocks noGrp="1"/>
+          </p:cNvSpPr>
+          <p:nvPr>
+            <p:ph type="title"/>
+          </p:nvPr>
+        </p:nvSpPr>
+        <p:spPr/>
+        <p:txBody>
+          <a:bodyPr/>
+          <a:lstStyle/>
+          <a:p>
+            <a:r>
+              <a:rPr lang="en-US" dirty="0"/>
+              <a:t>Commuter APP</a:t>
+            </a:r>
+            <a:br>
+              <a:rPr lang="en-US" dirty="0"/>
+            </a:br>
+            <a:r>
+              <a:rPr lang="en-US" dirty="0" err="1"/>
+              <a:t>AdressSearch</a:t>
+            </a:r>
+            <a:endParaRPr lang="en-US" dirty="0"/>
+          </a:p>
+        </p:txBody>
+      </p:sp>
+      <p:sp>
+        <p:nvSpPr>
+          <p:cNvPr id="12" name="Content Placeholder 11">
+            <a:extLst>
+              <a:ext uri="{FF2B5EF4-FFF2-40B4-BE49-F238E27FC236}">
+                <a16:creationId xmlns:a16="http://schemas.microsoft.com/office/drawing/2014/main" id="{2A09EEBC-5E2C-D240-A5D6-6952B8392E49}"/>
+              </a:ext>
+            </a:extLst>
+          </p:cNvPr>
+          <p:cNvSpPr>
+            <a:spLocks noGrp="1"/>
+          </p:cNvSpPr>
+          <p:nvPr>
+            <p:ph sz="half" idx="2"/>
+          </p:nvPr>
+        </p:nvSpPr>
+        <p:spPr>
+          <a:xfrm>
+            <a:off x="1132254" y="2510600"/>
+            <a:ext cx="4157296" cy="2340724"/>
+          </a:xfrm>
+        </p:spPr>
+        <p:txBody>
+          <a:bodyPr/>
+          <a:lstStyle/>
+          <a:p>
+            <a:pPr marL="285750" indent="-285750">
+              <a:buFontTx/>
+              <a:buChar char="-"/>
+            </a:pPr>
+            <a:r>
+              <a:rPr lang="sv-SE" dirty="0"/>
+              <a:t>Sökning av </a:t>
+            </a:r>
+            <a:r>
+              <a:rPr lang="sv-SE" dirty="0" err="1"/>
+              <a:t>addresser</a:t>
+            </a:r>
+            <a:endParaRPr lang="sv-SE" dirty="0"/>
+          </a:p>
+          <a:p>
+            <a:pPr marL="285750" indent="-285750">
+              <a:buFontTx/>
+              <a:buChar char="-"/>
+            </a:pPr>
+            <a:r>
+              <a:rPr lang="sv-SE" dirty="0"/>
+              <a:t>Points </a:t>
+            </a:r>
+            <a:r>
+              <a:rPr lang="sv-SE" dirty="0" err="1"/>
+              <a:t>of</a:t>
+            </a:r>
+            <a:r>
+              <a:rPr lang="sv-SE" dirty="0"/>
+              <a:t> </a:t>
+            </a:r>
+            <a:r>
+              <a:rPr lang="sv-SE" dirty="0" err="1"/>
+              <a:t>interest</a:t>
+            </a:r>
+            <a:endParaRPr lang="sv-SE" dirty="0"/>
+          </a:p>
+          <a:p>
+            <a:pPr marL="285750" indent="-285750">
+              <a:buFontTx/>
+              <a:buChar char="-"/>
+            </a:pPr>
+            <a:r>
+              <a:rPr lang="sv-SE" dirty="0"/>
+              <a:t>Tidtabeller</a:t>
+            </a:r>
+          </a:p>
+          <a:p>
+            <a:pPr marL="285750" indent="-285750">
+              <a:buFontTx/>
+              <a:buChar char="-"/>
+            </a:pPr>
+            <a:r>
+              <a:rPr lang="sv-SE" dirty="0"/>
+              <a:t>Tillgänglig för alla, kräver ingen licens</a:t>
+            </a:r>
+          </a:p>
+          <a:p>
+            <a:endParaRPr lang="en-US" dirty="0"/>
+          </a:p>
+        </p:txBody>
+      </p:sp>
+      <p:sp>
+        <p:nvSpPr>
+          <p:cNvPr id="7" name="Rectangle 6">
+            <a:extLst>
+              <a:ext uri="{FF2B5EF4-FFF2-40B4-BE49-F238E27FC236}">
+                <a16:creationId xmlns:a16="http://schemas.microsoft.com/office/drawing/2014/main" id="{DCE817C4-33C7-419F-A633-D728DA020600}"/>
+              </a:ext>
+            </a:extLst>
+          </p:cNvPr>
+          <p:cNvSpPr/>
+          <p:nvPr/>
+        </p:nvSpPr>
+        <p:spPr>
+          <a:xfrm>
+            <a:off x="6563169" y="617433"/>
+            <a:ext cx="5016381" cy="5623133"/>
+          </a:xfrm>
+          <a:prstGeom prst="rect">
+            <a:avLst/>
+          </a:prstGeom>
+        </p:spPr>
+        <p:style>
+          <a:lnRef idx="2">
+            <a:schemeClr val="dk1">
+              <a:shade val="50000"/>
+            </a:schemeClr>
+          </a:lnRef>
+          <a:fillRef idx="1">
+            <a:schemeClr val="dk1"/>
+          </a:fillRef>
+          <a:effectRef idx="0">
+            <a:schemeClr val="dk1"/>
+          </a:effectRef>
+          <a:fontRef idx="minor">
+            <a:schemeClr val="lt1"/>
+          </a:fontRef>
+        </p:style>
+        <p:txBody>
+          <a:bodyPr rtlCol="0" anchor="ctr"/>
+          <a:lstStyle/>
+          <a:p>
+            <a:pPr algn="ctr"/>
+            <a:endParaRPr lang="sv-FI"/>
+          </a:p>
+        </p:txBody>
+      </p:sp>
+      <p:pic>
+        <p:nvPicPr>
+          <p:cNvPr id="6" name="Picture 5" descr="A picture containing drawing, plate&#10;&#10;Description automatically generated">
+            <a:extLst>
+              <a:ext uri="{FF2B5EF4-FFF2-40B4-BE49-F238E27FC236}">
+                <a16:creationId xmlns:a16="http://schemas.microsoft.com/office/drawing/2014/main" id="{5902F801-917A-4A4F-B865-62368BA5D1A3}"/>
+              </a:ext>
+            </a:extLst>
+          </p:cNvPr>
+          <p:cNvPicPr>
+            <a:picLocks noChangeAspect="1"/>
+          </p:cNvPicPr>
+          <p:nvPr/>
+        </p:nvPicPr>
+        <p:blipFill>
+          <a:blip r:embed="rId2"/>
+          <a:stretch>
+            <a:fillRect/>
+          </a:stretch>
+        </p:blipFill>
+        <p:spPr>
+          <a:xfrm>
+            <a:off x="6838952" y="2635271"/>
+            <a:ext cx="4306281" cy="1384615"/>
+          </a:xfrm>
+          <a:prstGeom prst="rect">
+            <a:avLst/>
+          </a:prstGeom>
+        </p:spPr>
+      </p:pic>
+    </p:spTree>
+    <p:extLst>
+      <p:ext uri="{BB962C8B-B14F-4D97-AF65-F5344CB8AC3E}">
+        <p14:creationId xmlns:p14="http://schemas.microsoft.com/office/powerpoint/2010/main" val="3256432749"/>
+      </p:ext>
+    </p:extLst>
+  </p:cSld>
+  <p:clrMapOvr>
+    <a:masterClrMapping/>
+  </p:clrMapOvr>
+</p:sld>
+</file>
+
+<file path=ppt/slides/slide5.xml><?xml version="1.0" encoding="utf-8"?>
+<p:sld xmlns:a="http://schemas.openxmlformats.org/drawingml/2006/main" xmlns:r="http://schemas.openxmlformats.org/officeDocument/2006/relationships" xmlns:p="http://schemas.openxmlformats.org/presentationml/2006/main">
+  <p:cSld>
+    <p:spTree>
+      <p:nvGrpSpPr>
+        <p:cNvPr id="1" name=""/>
+        <p:cNvGrpSpPr/>
+        <p:nvPr/>
+      </p:nvGrpSpPr>
+      <p:grpSpPr>
+        <a:xfrm>
+          <a:off x="0" y="0"/>
+          <a:ext cx="0" cy="0"/>
+          <a:chOff x="0" y="0"/>
+          <a:chExt cx="0" cy="0"/>
+        </a:xfrm>
+      </p:grpSpPr>
+      <p:sp>
+        <p:nvSpPr>
           <p:cNvPr id="2" name="Title 1">
             <a:extLst>
               <a:ext uri="{FF2B5EF4-FFF2-40B4-BE49-F238E27FC236}">
@@ -6333,7 +6533,7 @@
             </a:pPr>
             <a:r>
               <a:rPr lang="sv-FI" dirty="0"/>
-              <a:t>Pensionärer eller äldre som inte är tekniskt begåvade Lättaste resan. Serviceroboten som kan stationeras vid busshållplatser förenklar tjänsten till de mindre tekniskt begåvade</a:t>
+              <a:t>Pensionärer eller äldre som inte är tekniskt begåvade: Serviceroboten som kan stationeras vid busshållplatser förenklar tjänsten till de mindre tekniskt begåvade</a:t>
             </a:r>
           </a:p>
           <a:p>
@@ -6428,7 +6628,7 @@
 </p:sld>
 </file>
 
-<file path=ppt/slides/slide5.xml><?xml version="1.0" encoding="utf-8"?>
+<file path=ppt/slides/slide6.xml><?xml version="1.0" encoding="utf-8"?>
 <p:sld xmlns:a="http://schemas.openxmlformats.org/drawingml/2006/main" xmlns:r="http://schemas.openxmlformats.org/officeDocument/2006/relationships" xmlns:p="http://schemas.openxmlformats.org/presentationml/2006/main">
   <p:cSld>
     <p:spTree>
@@ -6612,7 +6812,7 @@
 </p:sld>
 </file>
 
-<file path=ppt/slides/slide6.xml><?xml version="1.0" encoding="utf-8"?>
+<file path=ppt/slides/slide7.xml><?xml version="1.0" encoding="utf-8"?>
 <p:sld xmlns:a="http://schemas.openxmlformats.org/drawingml/2006/main" xmlns:r="http://schemas.openxmlformats.org/officeDocument/2006/relationships" xmlns:p="http://schemas.openxmlformats.org/presentationml/2006/main">
   <p:cSld>
     <p:spTree>
@@ -6843,7 +7043,7 @@
 </p:sld>
 </file>
 
-<file path=ppt/slides/slide7.xml><?xml version="1.0" encoding="utf-8"?>
+<file path=ppt/slides/slide8.xml><?xml version="1.0" encoding="utf-8"?>
 <p:sld xmlns:a="http://schemas.openxmlformats.org/drawingml/2006/main" xmlns:r="http://schemas.openxmlformats.org/officeDocument/2006/relationships" xmlns:p="http://schemas.openxmlformats.org/presentationml/2006/main">
   <p:cSld>
     <p:spTree>
@@ -7324,6 +7524,21 @@
 </file>
 
 <file path=customXml/item1.xml><?xml version="1.0" encoding="utf-8"?>
+<p:properties xmlns:p="http://schemas.microsoft.com/office/2006/metadata/properties" xmlns:xsi="http://www.w3.org/2001/XMLSchema-instance" xmlns:pc="http://schemas.microsoft.com/office/infopath/2007/PartnerControls">
+  <documentManagement/>
+</p:properties>
+</file>
+
+<file path=customXml/item2.xml><?xml version="1.0" encoding="utf-8"?>
+<?mso-contentType ?>
+<FormTemplates xmlns="http://schemas.microsoft.com/sharepoint/v3/contenttype/forms">
+  <Display>DocumentLibraryForm</Display>
+  <Edit>DocumentLibraryForm</Edit>
+  <New>DocumentLibraryForm</New>
+</FormTemplates>
+</file>
+
+<file path=customXml/item3.xml><?xml version="1.0" encoding="utf-8"?>
 <ct:contentTypeSchema xmlns:ct="http://schemas.microsoft.com/office/2006/metadata/contentType" xmlns:ma="http://schemas.microsoft.com/office/2006/metadata/properties/metaAttributes" ct:_="" ma:_="" ma:contentTypeName="Document" ma:contentTypeID="0x0101000BA7D741060A9C448D27D97D70C86F43" ma:contentTypeVersion="9" ma:contentTypeDescription="Create a new document." ma:contentTypeScope="" ma:versionID="35127fece350d0fd6fc3b1d1061895c6">
   <xsd:schema xmlns:xsd="http://www.w3.org/2001/XMLSchema" xmlns:xs="http://www.w3.org/2001/XMLSchema" xmlns:p="http://schemas.microsoft.com/office/2006/metadata/properties" xmlns:ns3="4e4a29f9-4c7c-4ac8-b74f-f5ed5353eab5" targetNamespace="http://schemas.microsoft.com/office/2006/metadata/properties" ma:root="true" ma:fieldsID="60e416394c7d2d3ab504fcdb1f37af06" ns3:_="">
     <xsd:import namespace="4e4a29f9-4c7c-4ac8-b74f-f5ed5353eab5"/>
@@ -7501,22 +7716,31 @@
 </ct:contentTypeSchema>
 </file>
 
-<file path=customXml/item2.xml><?xml version="1.0" encoding="utf-8"?>
-<?mso-contentType ?>
-<FormTemplates xmlns="http://schemas.microsoft.com/sharepoint/v3/contenttype/forms">
-  <Display>DocumentLibraryForm</Display>
-  <Edit>DocumentLibraryForm</Edit>
-  <New>DocumentLibraryForm</New>
-</FormTemplates>
+<file path=customXml/itemProps1.xml><?xml version="1.0" encoding="utf-8"?>
+<ds:datastoreItem xmlns:ds="http://schemas.openxmlformats.org/officeDocument/2006/customXml" ds:itemID="{CDB74272-1C87-46FB-959D-FD6275B4B756}">
+  <ds:schemaRefs>
+    <ds:schemaRef ds:uri="http://schemas.openxmlformats.org/package/2006/metadata/core-properties"/>
+    <ds:schemaRef ds:uri="4e4a29f9-4c7c-4ac8-b74f-f5ed5353eab5"/>
+    <ds:schemaRef ds:uri="http://purl.org/dc/terms/"/>
+    <ds:schemaRef ds:uri="http://schemas.microsoft.com/office/2006/metadata/properties"/>
+    <ds:schemaRef ds:uri="http://schemas.microsoft.com/office/infopath/2007/PartnerControls"/>
+    <ds:schemaRef ds:uri="http://purl.org/dc/dcmitype/"/>
+    <ds:schemaRef ds:uri="http://purl.org/dc/elements/1.1/"/>
+    <ds:schemaRef ds:uri="http://schemas.microsoft.com/office/2006/documentManagement/types"/>
+    <ds:schemaRef ds:uri="http://www.w3.org/XML/1998/namespace"/>
+  </ds:schemaRefs>
+</ds:datastoreItem>
 </file>
 
-<file path=customXml/item3.xml><?xml version="1.0" encoding="utf-8"?>
-<p:properties xmlns:p="http://schemas.microsoft.com/office/2006/metadata/properties" xmlns:xsi="http://www.w3.org/2001/XMLSchema-instance" xmlns:pc="http://schemas.microsoft.com/office/infopath/2007/PartnerControls">
-  <documentManagement/>
-</p:properties>
+<file path=customXml/itemProps2.xml><?xml version="1.0" encoding="utf-8"?>
+<ds:datastoreItem xmlns:ds="http://schemas.openxmlformats.org/officeDocument/2006/customXml" ds:itemID="{4E9ADB06-E271-41D4-8944-C6BD857A1573}">
+  <ds:schemaRefs>
+    <ds:schemaRef ds:uri="http://schemas.microsoft.com/sharepoint/v3/contenttype/forms"/>
+  </ds:schemaRefs>
+</ds:datastoreItem>
 </file>
 
-<file path=customXml/itemProps1.xml><?xml version="1.0" encoding="utf-8"?>
+<file path=customXml/itemProps3.xml><?xml version="1.0" encoding="utf-8"?>
 <ds:datastoreItem xmlns:ds="http://schemas.openxmlformats.org/officeDocument/2006/customXml" ds:itemID="{219013C8-821B-406B-8B23-029639F8C436}">
   <ds:schemaRefs>
     <ds:schemaRef ds:uri="http://schemas.microsoft.com/office/2006/metadata/contentType"/>
@@ -7532,28 +7756,4 @@
     <ds:schemaRef ds:uri="http://schemas.microsoft.com/internal/obd"/>
   </ds:schemaRefs>
 </ds:datastoreItem>
-</file>
-
-<file path=customXml/itemProps2.xml><?xml version="1.0" encoding="utf-8"?>
-<ds:datastoreItem xmlns:ds="http://schemas.openxmlformats.org/officeDocument/2006/customXml" ds:itemID="{4E9ADB06-E271-41D4-8944-C6BD857A1573}">
-  <ds:schemaRefs>
-    <ds:schemaRef ds:uri="http://schemas.microsoft.com/sharepoint/v3/contenttype/forms"/>
-  </ds:schemaRefs>
-</ds:datastoreItem>
-</file>
-
-<file path=customXml/itemProps3.xml><?xml version="1.0" encoding="utf-8"?>
-<ds:datastoreItem xmlns:ds="http://schemas.openxmlformats.org/officeDocument/2006/customXml" ds:itemID="{CDB74272-1C87-46FB-959D-FD6275B4B756}">
-  <ds:schemaRefs>
-    <ds:schemaRef ds:uri="http://schemas.openxmlformats.org/package/2006/metadata/core-properties"/>
-    <ds:schemaRef ds:uri="4e4a29f9-4c7c-4ac8-b74f-f5ed5353eab5"/>
-    <ds:schemaRef ds:uri="http://purl.org/dc/terms/"/>
-    <ds:schemaRef ds:uri="http://schemas.microsoft.com/office/2006/metadata/properties"/>
-    <ds:schemaRef ds:uri="http://schemas.microsoft.com/office/infopath/2007/PartnerControls"/>
-    <ds:schemaRef ds:uri="http://purl.org/dc/dcmitype/"/>
-    <ds:schemaRef ds:uri="http://purl.org/dc/elements/1.1/"/>
-    <ds:schemaRef ds:uri="http://schemas.microsoft.com/office/2006/documentManagement/types"/>
-    <ds:schemaRef ds:uri="http://www.w3.org/XML/1998/namespace"/>
-  </ds:schemaRefs>
-</ds:datastoreItem>
 </file>